--- a/Presentation1.pptx
+++ b/Presentation1.pptx
@@ -9,11 +9,20 @@
     <p:sldId id="257" r:id="rId3"/>
     <p:sldId id="258" r:id="rId4"/>
     <p:sldId id="259" r:id="rId5"/>
-    <p:sldId id="260" r:id="rId6"/>
-    <p:sldId id="261" r:id="rId7"/>
-    <p:sldId id="262" r:id="rId8"/>
-    <p:sldId id="263" r:id="rId9"/>
-    <p:sldId id="264" r:id="rId10"/>
+    <p:sldId id="272" r:id="rId6"/>
+    <p:sldId id="265" r:id="rId7"/>
+    <p:sldId id="266" r:id="rId8"/>
+    <p:sldId id="267" r:id="rId9"/>
+    <p:sldId id="268" r:id="rId10"/>
+    <p:sldId id="269" r:id="rId11"/>
+    <p:sldId id="260" r:id="rId12"/>
+    <p:sldId id="261" r:id="rId13"/>
+    <p:sldId id="262" r:id="rId14"/>
+    <p:sldId id="264" r:id="rId15"/>
+    <p:sldId id="270" r:id="rId16"/>
+    <p:sldId id="263" r:id="rId17"/>
+    <p:sldId id="273" r:id="rId18"/>
+    <p:sldId id="271" r:id="rId19"/>
   </p:sldIdLst>
   <p:sldSz cx="9144000" cy="6858000" type="screen4x3"/>
   <p:notesSz cx="6858000" cy="9144000"/>
@@ -3171,6 +3180,753 @@
 </p:sld>
 </file>
 
+<file path=ppt/slides/slide10.xml><?xml version="1.0" encoding="utf-8"?>
+<p:sld xmlns:a="http://schemas.openxmlformats.org/drawingml/2006/main" xmlns:r="http://schemas.openxmlformats.org/officeDocument/2006/relationships" xmlns:p="http://schemas.openxmlformats.org/presentationml/2006/main">
+  <p:cSld>
+    <p:spTree>
+      <p:nvGrpSpPr>
+        <p:cNvPr id="1" name=""/>
+        <p:cNvGrpSpPr/>
+        <p:nvPr/>
+      </p:nvGrpSpPr>
+      <p:grpSpPr>
+        <a:xfrm>
+          <a:off x="0" y="0"/>
+          <a:ext cx="0" cy="0"/>
+          <a:chOff x="0" y="0"/>
+          <a:chExt cx="0" cy="0"/>
+        </a:xfrm>
+      </p:grpSpPr>
+      <p:sp>
+        <p:nvSpPr>
+          <p:cNvPr id="2" name="Title 1"/>
+          <p:cNvSpPr>
+            <a:spLocks noGrp="1"/>
+          </p:cNvSpPr>
+          <p:nvPr>
+            <p:ph type="title"/>
+          </p:nvPr>
+        </p:nvSpPr>
+        <p:spPr/>
+        <p:txBody>
+          <a:bodyPr/>
+          <a:lstStyle/>
+          <a:p>
+            <a:r>
+              <a:rPr lang="en-US" dirty="0"/>
+              <a:t>APEX snapshots</a:t>
+            </a:r>
+          </a:p>
+        </p:txBody>
+      </p:sp>
+      <p:pic>
+        <p:nvPicPr>
+          <p:cNvPr id="4" name="Content Placeholder 3" descr="PIC_tasks.jpg"/>
+          <p:cNvPicPr>
+            <a:picLocks noGrp="1" noChangeAspect="1"/>
+          </p:cNvPicPr>
+          <p:nvPr>
+            <p:ph idx="1"/>
+          </p:nvPr>
+        </p:nvPicPr>
+        <p:blipFill>
+          <a:blip r:embed="rId2">
+            <a:extLst>
+              <a:ext uri="{28A0092B-C50C-407E-A947-70E740481C1C}">
+                <a14:useLocalDpi xmlns:a14="http://schemas.microsoft.com/office/drawing/2010/main" val="0"/>
+              </a:ext>
+            </a:extLst>
+          </a:blip>
+          <a:srcRect t="1115" b="1115"/>
+          <a:stretch>
+            <a:fillRect/>
+          </a:stretch>
+        </p:blipFill>
+        <p:spPr/>
+      </p:pic>
+    </p:spTree>
+    <p:extLst>
+      <p:ext uri="{BB962C8B-B14F-4D97-AF65-F5344CB8AC3E}">
+        <p14:creationId xmlns:p14="http://schemas.microsoft.com/office/powerpoint/2010/main" val="1436987431"/>
+      </p:ext>
+    </p:extLst>
+  </p:cSld>
+  <p:clrMapOvr>
+    <a:masterClrMapping/>
+  </p:clrMapOvr>
+  <p:timing>
+    <p:tnLst>
+      <p:par>
+        <p:cTn xmlns:p14="http://schemas.microsoft.com/office/powerpoint/2010/main" id="1" dur="indefinite" restart="never" nodeType="tmRoot"/>
+      </p:par>
+    </p:tnLst>
+  </p:timing>
+</p:sld>
+</file>
+
+<file path=ppt/slides/slide11.xml><?xml version="1.0" encoding="utf-8"?>
+<p:sld xmlns:a="http://schemas.openxmlformats.org/drawingml/2006/main" xmlns:r="http://schemas.openxmlformats.org/officeDocument/2006/relationships" xmlns:p="http://schemas.openxmlformats.org/presentationml/2006/main">
+  <p:cSld>
+    <p:spTree>
+      <p:nvGrpSpPr>
+        <p:cNvPr id="1" name=""/>
+        <p:cNvGrpSpPr/>
+        <p:nvPr/>
+      </p:nvGrpSpPr>
+      <p:grpSpPr>
+        <a:xfrm>
+          <a:off x="0" y="0"/>
+          <a:ext cx="0" cy="0"/>
+          <a:chOff x="0" y="0"/>
+          <a:chExt cx="0" cy="0"/>
+        </a:xfrm>
+      </p:grpSpPr>
+      <p:sp>
+        <p:nvSpPr>
+          <p:cNvPr id="2" name="Title 1"/>
+          <p:cNvSpPr>
+            <a:spLocks noGrp="1"/>
+          </p:cNvSpPr>
+          <p:nvPr>
+            <p:ph type="title"/>
+          </p:nvPr>
+        </p:nvSpPr>
+        <p:spPr/>
+        <p:txBody>
+          <a:bodyPr/>
+          <a:lstStyle/>
+          <a:p>
+            <a:r>
+              <a:rPr lang="en-US" dirty="0" smtClean="0"/>
+              <a:t>PART II </a:t>
+            </a:r>
+            <a:endParaRPr lang="en-US" dirty="0"/>
+          </a:p>
+        </p:txBody>
+      </p:sp>
+      <p:sp>
+        <p:nvSpPr>
+          <p:cNvPr id="3" name="Content Placeholder 2"/>
+          <p:cNvSpPr>
+            <a:spLocks noGrp="1"/>
+          </p:cNvSpPr>
+          <p:nvPr>
+            <p:ph idx="1"/>
+          </p:nvPr>
+        </p:nvSpPr>
+        <p:spPr/>
+        <p:txBody>
+          <a:bodyPr/>
+          <a:lstStyle/>
+          <a:p>
+            <a:r>
+              <a:rPr lang="en-US" dirty="0" smtClean="0"/>
+              <a:t>We tried to create the data with two entities doctors and patients with one to many relationship from doctor to patients. </a:t>
+            </a:r>
+          </a:p>
+          <a:p>
+            <a:endParaRPr lang="en-US" dirty="0"/>
+          </a:p>
+          <a:p>
+            <a:r>
+              <a:rPr lang="en-US" dirty="0" smtClean="0"/>
+              <a:t>Intention was to allow multiple patients to connect with the doctor specialized in their problem. </a:t>
+            </a:r>
+            <a:endParaRPr lang="en-US" dirty="0"/>
+          </a:p>
+        </p:txBody>
+      </p:sp>
+    </p:spTree>
+    <p:extLst>
+      <p:ext uri="{BB962C8B-B14F-4D97-AF65-F5344CB8AC3E}">
+        <p14:creationId xmlns:p14="http://schemas.microsoft.com/office/powerpoint/2010/main" val="4193543396"/>
+      </p:ext>
+    </p:extLst>
+  </p:cSld>
+  <p:clrMapOvr>
+    <a:masterClrMapping/>
+  </p:clrMapOvr>
+  <p:timing>
+    <p:tnLst>
+      <p:par>
+        <p:cTn xmlns:p14="http://schemas.microsoft.com/office/powerpoint/2010/main" id="1" dur="indefinite" restart="never" nodeType="tmRoot"/>
+      </p:par>
+    </p:tnLst>
+  </p:timing>
+</p:sld>
+</file>
+
+<file path=ppt/slides/slide12.xml><?xml version="1.0" encoding="utf-8"?>
+<p:sld xmlns:a="http://schemas.openxmlformats.org/drawingml/2006/main" xmlns:r="http://schemas.openxmlformats.org/officeDocument/2006/relationships" xmlns:p="http://schemas.openxmlformats.org/presentationml/2006/main">
+  <p:cSld>
+    <p:spTree>
+      <p:nvGrpSpPr>
+        <p:cNvPr id="1" name=""/>
+        <p:cNvGrpSpPr/>
+        <p:nvPr/>
+      </p:nvGrpSpPr>
+      <p:grpSpPr>
+        <a:xfrm>
+          <a:off x="0" y="0"/>
+          <a:ext cx="0" cy="0"/>
+          <a:chOff x="0" y="0"/>
+          <a:chExt cx="0" cy="0"/>
+        </a:xfrm>
+      </p:grpSpPr>
+      <p:sp>
+        <p:nvSpPr>
+          <p:cNvPr id="2" name="Title 1"/>
+          <p:cNvSpPr>
+            <a:spLocks noGrp="1"/>
+          </p:cNvSpPr>
+          <p:nvPr>
+            <p:ph type="title"/>
+          </p:nvPr>
+        </p:nvSpPr>
+        <p:spPr/>
+        <p:txBody>
+          <a:bodyPr/>
+          <a:lstStyle/>
+          <a:p>
+            <a:r>
+              <a:rPr lang="en-US" dirty="0" smtClean="0"/>
+              <a:t>Conceptual Model Part II</a:t>
+            </a:r>
+            <a:endParaRPr lang="en-US" dirty="0"/>
+          </a:p>
+        </p:txBody>
+      </p:sp>
+      <p:pic>
+        <p:nvPicPr>
+          <p:cNvPr id="6" name="Content Placeholder 5" descr="Screen Shot 2015-11-24 at 11.30.53 AM.png"/>
+          <p:cNvPicPr>
+            <a:picLocks noGrp="1" noChangeAspect="1"/>
+          </p:cNvPicPr>
+          <p:nvPr>
+            <p:ph idx="1"/>
+          </p:nvPr>
+        </p:nvPicPr>
+        <p:blipFill>
+          <a:blip r:embed="rId2">
+            <a:extLst>
+              <a:ext uri="{28A0092B-C50C-407E-A947-70E740481C1C}">
+                <a14:useLocalDpi xmlns:a14="http://schemas.microsoft.com/office/drawing/2010/main" val="0"/>
+              </a:ext>
+            </a:extLst>
+          </a:blip>
+          <a:srcRect t="13423" b="13423"/>
+          <a:stretch>
+            <a:fillRect/>
+          </a:stretch>
+        </p:blipFill>
+        <p:spPr/>
+      </p:pic>
+    </p:spTree>
+    <p:extLst>
+      <p:ext uri="{BB962C8B-B14F-4D97-AF65-F5344CB8AC3E}">
+        <p14:creationId xmlns:p14="http://schemas.microsoft.com/office/powerpoint/2010/main" val="5699394"/>
+      </p:ext>
+    </p:extLst>
+  </p:cSld>
+  <p:clrMapOvr>
+    <a:masterClrMapping/>
+  </p:clrMapOvr>
+  <p:timing>
+    <p:tnLst>
+      <p:par>
+        <p:cTn xmlns:p14="http://schemas.microsoft.com/office/powerpoint/2010/main" id="1" dur="indefinite" restart="never" nodeType="tmRoot"/>
+      </p:par>
+    </p:tnLst>
+  </p:timing>
+</p:sld>
+</file>
+
+<file path=ppt/slides/slide13.xml><?xml version="1.0" encoding="utf-8"?>
+<p:sld xmlns:a="http://schemas.openxmlformats.org/drawingml/2006/main" xmlns:r="http://schemas.openxmlformats.org/officeDocument/2006/relationships" xmlns:p="http://schemas.openxmlformats.org/presentationml/2006/main">
+  <p:cSld>
+    <p:spTree>
+      <p:nvGrpSpPr>
+        <p:cNvPr id="1" name=""/>
+        <p:cNvGrpSpPr/>
+        <p:nvPr/>
+      </p:nvGrpSpPr>
+      <p:grpSpPr>
+        <a:xfrm>
+          <a:off x="0" y="0"/>
+          <a:ext cx="0" cy="0"/>
+          <a:chOff x="0" y="0"/>
+          <a:chExt cx="0" cy="0"/>
+        </a:xfrm>
+      </p:grpSpPr>
+      <p:sp>
+        <p:nvSpPr>
+          <p:cNvPr id="2" name="Title 1"/>
+          <p:cNvSpPr>
+            <a:spLocks noGrp="1"/>
+          </p:cNvSpPr>
+          <p:nvPr>
+            <p:ph type="title"/>
+          </p:nvPr>
+        </p:nvSpPr>
+        <p:spPr/>
+        <p:txBody>
+          <a:bodyPr/>
+          <a:lstStyle/>
+          <a:p>
+            <a:r>
+              <a:rPr lang="en-US" dirty="0" smtClean="0"/>
+              <a:t>Testing </a:t>
+            </a:r>
+            <a:endParaRPr lang="en-US" dirty="0"/>
+          </a:p>
+        </p:txBody>
+      </p:sp>
+      <p:pic>
+        <p:nvPicPr>
+          <p:cNvPr id="6" name="Content Placeholder 5" descr="Screen Shot 2015-11-24 at 1.51.05 PM.png"/>
+          <p:cNvPicPr>
+            <a:picLocks noGrp="1" noChangeAspect="1"/>
+          </p:cNvPicPr>
+          <p:nvPr>
+            <p:ph idx="1"/>
+          </p:nvPr>
+        </p:nvPicPr>
+        <p:blipFill>
+          <a:blip r:embed="rId2">
+            <a:extLst>
+              <a:ext uri="{28A0092B-C50C-407E-A947-70E740481C1C}">
+                <a14:useLocalDpi xmlns:a14="http://schemas.microsoft.com/office/drawing/2010/main" val="0"/>
+              </a:ext>
+            </a:extLst>
+          </a:blip>
+          <a:srcRect l="3671" r="3671"/>
+          <a:stretch>
+            <a:fillRect/>
+          </a:stretch>
+        </p:blipFill>
+        <p:spPr/>
+      </p:pic>
+    </p:spTree>
+    <p:extLst>
+      <p:ext uri="{BB962C8B-B14F-4D97-AF65-F5344CB8AC3E}">
+        <p14:creationId xmlns:p14="http://schemas.microsoft.com/office/powerpoint/2010/main" val="1572663134"/>
+      </p:ext>
+    </p:extLst>
+  </p:cSld>
+  <p:clrMapOvr>
+    <a:masterClrMapping/>
+  </p:clrMapOvr>
+  <p:timing>
+    <p:tnLst>
+      <p:par>
+        <p:cTn xmlns:p14="http://schemas.microsoft.com/office/powerpoint/2010/main" id="1" dur="indefinite" restart="never" nodeType="tmRoot"/>
+      </p:par>
+    </p:tnLst>
+  </p:timing>
+</p:sld>
+</file>
+
+<file path=ppt/slides/slide14.xml><?xml version="1.0" encoding="utf-8"?>
+<p:sld xmlns:a="http://schemas.openxmlformats.org/drawingml/2006/main" xmlns:r="http://schemas.openxmlformats.org/officeDocument/2006/relationships" xmlns:p="http://schemas.openxmlformats.org/presentationml/2006/main">
+  <p:cSld>
+    <p:spTree>
+      <p:nvGrpSpPr>
+        <p:cNvPr id="1" name=""/>
+        <p:cNvGrpSpPr/>
+        <p:nvPr/>
+      </p:nvGrpSpPr>
+      <p:grpSpPr>
+        <a:xfrm>
+          <a:off x="0" y="0"/>
+          <a:ext cx="0" cy="0"/>
+          <a:chOff x="0" y="0"/>
+          <a:chExt cx="0" cy="0"/>
+        </a:xfrm>
+      </p:grpSpPr>
+      <p:sp>
+        <p:nvSpPr>
+          <p:cNvPr id="2" name="Title 1"/>
+          <p:cNvSpPr>
+            <a:spLocks noGrp="1"/>
+          </p:cNvSpPr>
+          <p:nvPr>
+            <p:ph type="title"/>
+          </p:nvPr>
+        </p:nvSpPr>
+        <p:spPr/>
+        <p:txBody>
+          <a:bodyPr/>
+          <a:lstStyle/>
+          <a:p>
+            <a:endParaRPr lang="en-US" dirty="0"/>
+          </a:p>
+        </p:txBody>
+      </p:sp>
+      <p:pic>
+        <p:nvPicPr>
+          <p:cNvPr id="4" name="Content Placeholder 3" descr="Screen Shot 2015-11-24 at 2.00.34 PM.png"/>
+          <p:cNvPicPr>
+            <a:picLocks noGrp="1" noChangeAspect="1"/>
+          </p:cNvPicPr>
+          <p:nvPr>
+            <p:ph idx="1"/>
+          </p:nvPr>
+        </p:nvPicPr>
+        <p:blipFill>
+          <a:blip r:embed="rId2">
+            <a:extLst>
+              <a:ext uri="{28A0092B-C50C-407E-A947-70E740481C1C}">
+                <a14:useLocalDpi xmlns:a14="http://schemas.microsoft.com/office/drawing/2010/main" val="0"/>
+              </a:ext>
+            </a:extLst>
+          </a:blip>
+          <a:srcRect t="5252" b="5252"/>
+          <a:stretch>
+            <a:fillRect/>
+          </a:stretch>
+        </p:blipFill>
+        <p:spPr/>
+      </p:pic>
+    </p:spTree>
+    <p:extLst>
+      <p:ext uri="{BB962C8B-B14F-4D97-AF65-F5344CB8AC3E}">
+        <p14:creationId xmlns:p14="http://schemas.microsoft.com/office/powerpoint/2010/main" val="2596942532"/>
+      </p:ext>
+    </p:extLst>
+  </p:cSld>
+  <p:clrMapOvr>
+    <a:masterClrMapping/>
+  </p:clrMapOvr>
+</p:sld>
+</file>
+
+<file path=ppt/slides/slide15.xml><?xml version="1.0" encoding="utf-8"?>
+<p:sld xmlns:a="http://schemas.openxmlformats.org/drawingml/2006/main" xmlns:r="http://schemas.openxmlformats.org/officeDocument/2006/relationships" xmlns:p="http://schemas.openxmlformats.org/presentationml/2006/main">
+  <p:cSld>
+    <p:spTree>
+      <p:nvGrpSpPr>
+        <p:cNvPr id="1" name=""/>
+        <p:cNvGrpSpPr/>
+        <p:nvPr/>
+      </p:nvGrpSpPr>
+      <p:grpSpPr>
+        <a:xfrm>
+          <a:off x="0" y="0"/>
+          <a:ext cx="0" cy="0"/>
+          <a:chOff x="0" y="0"/>
+          <a:chExt cx="0" cy="0"/>
+        </a:xfrm>
+      </p:grpSpPr>
+      <p:sp>
+        <p:nvSpPr>
+          <p:cNvPr id="2" name="Title 1"/>
+          <p:cNvSpPr>
+            <a:spLocks noGrp="1"/>
+          </p:cNvSpPr>
+          <p:nvPr>
+            <p:ph type="title"/>
+          </p:nvPr>
+        </p:nvSpPr>
+        <p:spPr/>
+        <p:txBody>
+          <a:bodyPr/>
+          <a:lstStyle/>
+          <a:p>
+            <a:endParaRPr lang="en-US"/>
+          </a:p>
+        </p:txBody>
+      </p:sp>
+      <p:pic>
+        <p:nvPicPr>
+          <p:cNvPr id="6" name="Content Placeholder 5" descr="Screen Shot 2015-11-24 at 2.28.07 PM.png"/>
+          <p:cNvPicPr>
+            <a:picLocks noGrp="1" noChangeAspect="1"/>
+          </p:cNvPicPr>
+          <p:nvPr>
+            <p:ph idx="1"/>
+          </p:nvPr>
+        </p:nvPicPr>
+        <p:blipFill>
+          <a:blip r:embed="rId2">
+            <a:extLst>
+              <a:ext uri="{28A0092B-C50C-407E-A947-70E740481C1C}">
+                <a14:useLocalDpi xmlns:a14="http://schemas.microsoft.com/office/drawing/2010/main" val="0"/>
+              </a:ext>
+            </a:extLst>
+          </a:blip>
+          <a:srcRect t="131" b="131"/>
+          <a:stretch>
+            <a:fillRect/>
+          </a:stretch>
+        </p:blipFill>
+        <p:spPr/>
+      </p:pic>
+    </p:spTree>
+    <p:extLst>
+      <p:ext uri="{BB962C8B-B14F-4D97-AF65-F5344CB8AC3E}">
+        <p14:creationId xmlns:p14="http://schemas.microsoft.com/office/powerpoint/2010/main" val="3353856713"/>
+      </p:ext>
+    </p:extLst>
+  </p:cSld>
+  <p:clrMapOvr>
+    <a:masterClrMapping/>
+  </p:clrMapOvr>
+</p:sld>
+</file>
+
+<file path=ppt/slides/slide16.xml><?xml version="1.0" encoding="utf-8"?>
+<p:sld xmlns:a="http://schemas.openxmlformats.org/drawingml/2006/main" xmlns:r="http://schemas.openxmlformats.org/officeDocument/2006/relationships" xmlns:p="http://schemas.openxmlformats.org/presentationml/2006/main">
+  <p:cSld>
+    <p:spTree>
+      <p:nvGrpSpPr>
+        <p:cNvPr id="1" name=""/>
+        <p:cNvGrpSpPr/>
+        <p:nvPr/>
+      </p:nvGrpSpPr>
+      <p:grpSpPr>
+        <a:xfrm>
+          <a:off x="0" y="0"/>
+          <a:ext cx="0" cy="0"/>
+          <a:chOff x="0" y="0"/>
+          <a:chExt cx="0" cy="0"/>
+        </a:xfrm>
+      </p:grpSpPr>
+      <p:sp>
+        <p:nvSpPr>
+          <p:cNvPr id="2" name="Title 1"/>
+          <p:cNvSpPr>
+            <a:spLocks noGrp="1"/>
+          </p:cNvSpPr>
+          <p:nvPr>
+            <p:ph type="title"/>
+          </p:nvPr>
+        </p:nvSpPr>
+        <p:spPr/>
+        <p:txBody>
+          <a:bodyPr/>
+          <a:lstStyle/>
+          <a:p>
+            <a:r>
+              <a:rPr lang="en-US" dirty="0" smtClean="0"/>
+              <a:t>Report Query</a:t>
+            </a:r>
+            <a:endParaRPr lang="en-US" dirty="0"/>
+          </a:p>
+        </p:txBody>
+      </p:sp>
+      <p:pic>
+        <p:nvPicPr>
+          <p:cNvPr id="4" name="Content Placeholder 3" descr="Screen Shot 2015-11-24 at 2.29.07 PM.png"/>
+          <p:cNvPicPr>
+            <a:picLocks noGrp="1" noChangeAspect="1"/>
+          </p:cNvPicPr>
+          <p:nvPr>
+            <p:ph idx="1"/>
+          </p:nvPr>
+        </p:nvPicPr>
+        <p:blipFill>
+          <a:blip r:embed="rId2">
+            <a:extLst>
+              <a:ext uri="{28A0092B-C50C-407E-A947-70E740481C1C}">
+                <a14:useLocalDpi xmlns:a14="http://schemas.microsoft.com/office/drawing/2010/main" val="0"/>
+              </a:ext>
+            </a:extLst>
+          </a:blip>
+          <a:srcRect l="13875" r="13875"/>
+          <a:stretch>
+            <a:fillRect/>
+          </a:stretch>
+        </p:blipFill>
+        <p:spPr/>
+      </p:pic>
+    </p:spTree>
+    <p:extLst>
+      <p:ext uri="{BB962C8B-B14F-4D97-AF65-F5344CB8AC3E}">
+        <p14:creationId xmlns:p14="http://schemas.microsoft.com/office/powerpoint/2010/main" val="57178098"/>
+      </p:ext>
+    </p:extLst>
+  </p:cSld>
+  <p:clrMapOvr>
+    <a:masterClrMapping/>
+  </p:clrMapOvr>
+</p:sld>
+</file>
+
+<file path=ppt/slides/slide17.xml><?xml version="1.0" encoding="utf-8"?>
+<p:sld xmlns:a="http://schemas.openxmlformats.org/drawingml/2006/main" xmlns:r="http://schemas.openxmlformats.org/officeDocument/2006/relationships" xmlns:p="http://schemas.openxmlformats.org/presentationml/2006/main">
+  <p:cSld>
+    <p:spTree>
+      <p:nvGrpSpPr>
+        <p:cNvPr id="1" name=""/>
+        <p:cNvGrpSpPr/>
+        <p:nvPr/>
+      </p:nvGrpSpPr>
+      <p:grpSpPr>
+        <a:xfrm>
+          <a:off x="0" y="0"/>
+          <a:ext cx="0" cy="0"/>
+          <a:chOff x="0" y="0"/>
+          <a:chExt cx="0" cy="0"/>
+        </a:xfrm>
+      </p:grpSpPr>
+      <p:sp>
+        <p:nvSpPr>
+          <p:cNvPr id="2" name="Title 1"/>
+          <p:cNvSpPr>
+            <a:spLocks noGrp="1"/>
+          </p:cNvSpPr>
+          <p:nvPr>
+            <p:ph type="title"/>
+          </p:nvPr>
+        </p:nvSpPr>
+        <p:spPr/>
+        <p:txBody>
+          <a:bodyPr/>
+          <a:lstStyle/>
+          <a:p>
+            <a:r>
+              <a:rPr lang="en-US" dirty="0" smtClean="0"/>
+              <a:t>Part 2</a:t>
+            </a:r>
+            <a:endParaRPr lang="en-US" dirty="0"/>
+          </a:p>
+        </p:txBody>
+      </p:sp>
+      <p:sp>
+        <p:nvSpPr>
+          <p:cNvPr id="3" name="Content Placeholder 2"/>
+          <p:cNvSpPr>
+            <a:spLocks noGrp="1"/>
+          </p:cNvSpPr>
+          <p:nvPr>
+            <p:ph idx="1"/>
+          </p:nvPr>
+        </p:nvSpPr>
+        <p:spPr/>
+        <p:txBody>
+          <a:bodyPr/>
+          <a:lstStyle/>
+          <a:p>
+            <a:r>
+              <a:rPr lang="en-US" dirty="0"/>
+              <a:t>https://</a:t>
+            </a:r>
+            <a:r>
+              <a:rPr lang="en-US" dirty="0" err="1"/>
+              <a:t>apex.oracle.com</a:t>
+            </a:r>
+            <a:r>
+              <a:rPr lang="en-US" dirty="0"/>
+              <a:t>/</a:t>
+            </a:r>
+            <a:r>
+              <a:rPr lang="en-US" dirty="0" err="1"/>
+              <a:t>pls</a:t>
+            </a:r>
+            <a:r>
+              <a:rPr lang="en-US" dirty="0"/>
+              <a:t>/apex/</a:t>
+            </a:r>
+            <a:r>
+              <a:rPr lang="en-US" dirty="0" err="1"/>
+              <a:t>f?p</a:t>
+            </a:r>
+            <a:r>
+              <a:rPr lang="en-US" dirty="0"/>
+              <a:t>=93074:2:100388274222819:::::</a:t>
+            </a:r>
+          </a:p>
+        </p:txBody>
+      </p:sp>
+    </p:spTree>
+    <p:extLst>
+      <p:ext uri="{BB962C8B-B14F-4D97-AF65-F5344CB8AC3E}">
+        <p14:creationId xmlns:p14="http://schemas.microsoft.com/office/powerpoint/2010/main" val="3446205706"/>
+      </p:ext>
+    </p:extLst>
+  </p:cSld>
+  <p:clrMapOvr>
+    <a:masterClrMapping/>
+  </p:clrMapOvr>
+</p:sld>
+</file>
+
+<file path=ppt/slides/slide18.xml><?xml version="1.0" encoding="utf-8"?>
+<p:sld xmlns:a="http://schemas.openxmlformats.org/drawingml/2006/main" xmlns:r="http://schemas.openxmlformats.org/officeDocument/2006/relationships" xmlns:p="http://schemas.openxmlformats.org/presentationml/2006/main">
+  <p:cSld>
+    <p:spTree>
+      <p:nvGrpSpPr>
+        <p:cNvPr id="1" name=""/>
+        <p:cNvGrpSpPr/>
+        <p:nvPr/>
+      </p:nvGrpSpPr>
+      <p:grpSpPr>
+        <a:xfrm>
+          <a:off x="0" y="0"/>
+          <a:ext cx="0" cy="0"/>
+          <a:chOff x="0" y="0"/>
+          <a:chExt cx="0" cy="0"/>
+        </a:xfrm>
+      </p:grpSpPr>
+      <p:sp>
+        <p:nvSpPr>
+          <p:cNvPr id="2" name="Title 1"/>
+          <p:cNvSpPr>
+            <a:spLocks noGrp="1"/>
+          </p:cNvSpPr>
+          <p:nvPr>
+            <p:ph type="title"/>
+          </p:nvPr>
+        </p:nvSpPr>
+        <p:spPr/>
+        <p:txBody>
+          <a:bodyPr>
+            <a:normAutofit/>
+          </a:bodyPr>
+          <a:lstStyle/>
+          <a:p>
+            <a:endParaRPr lang="en-US" dirty="0"/>
+          </a:p>
+        </p:txBody>
+      </p:sp>
+      <p:pic>
+        <p:nvPicPr>
+          <p:cNvPr id="4" name="Content Placeholder 3" descr="Screen Shot 2015-11-24 at 2.30.21 PM.png"/>
+          <p:cNvPicPr>
+            <a:picLocks noGrp="1" noChangeAspect="1"/>
+          </p:cNvPicPr>
+          <p:nvPr>
+            <p:ph idx="1"/>
+          </p:nvPr>
+        </p:nvPicPr>
+        <p:blipFill>
+          <a:blip r:embed="rId2">
+            <a:extLst>
+              <a:ext uri="{28A0092B-C50C-407E-A947-70E740481C1C}">
+                <a14:useLocalDpi xmlns:a14="http://schemas.microsoft.com/office/drawing/2010/main" val="0"/>
+              </a:ext>
+            </a:extLst>
+          </a:blip>
+          <a:srcRect t="10188" b="10188"/>
+          <a:stretch>
+            <a:fillRect/>
+          </a:stretch>
+        </p:blipFill>
+        <p:spPr/>
+      </p:pic>
+    </p:spTree>
+    <p:extLst>
+      <p:ext uri="{BB962C8B-B14F-4D97-AF65-F5344CB8AC3E}">
+        <p14:creationId xmlns:p14="http://schemas.microsoft.com/office/powerpoint/2010/main" val="3054667850"/>
+      </p:ext>
+    </p:extLst>
+  </p:cSld>
+  <p:clrMapOvr>
+    <a:masterClrMapping/>
+  </p:clrMapOvr>
+</p:sld>
+</file>
+
 <file path=ppt/slides/slide2.xml><?xml version="1.0" encoding="utf-8"?>
 <p:sld xmlns:a="http://schemas.openxmlformats.org/drawingml/2006/main" xmlns:r="http://schemas.openxmlformats.org/officeDocument/2006/relationships" xmlns:p="http://schemas.openxmlformats.org/presentationml/2006/main">
   <p:cSld>
@@ -3475,7 +4231,7 @@
           <a:p>
             <a:r>
               <a:rPr lang="en-US" dirty="0" smtClean="0"/>
-              <a:t>PART II </a:t>
+              <a:t>APEX application</a:t>
             </a:r>
             <a:endParaRPr lang="en-US" dirty="0"/>
           </a:p>
@@ -3497,17 +4253,40 @@
           <a:lstStyle/>
           <a:p>
             <a:r>
-              <a:rPr lang="en-US" dirty="0" smtClean="0"/>
-              <a:t>We created an app that allows patients and doctors to keep track of appointments and the visits. </a:t>
-            </a:r>
-            <a:endParaRPr lang="en-US" dirty="0" smtClean="0"/>
+              <a:rPr lang="en-US" dirty="0"/>
+              <a:t>https://</a:t>
+            </a:r>
+            <a:r>
+              <a:rPr lang="en-US" dirty="0" err="1"/>
+              <a:t>apex.oracle.com</a:t>
+            </a:r>
+            <a:r>
+              <a:rPr lang="en-US" dirty="0"/>
+              <a:t>/</a:t>
+            </a:r>
+            <a:r>
+              <a:rPr lang="en-US" dirty="0" err="1"/>
+              <a:t>pls</a:t>
+            </a:r>
+            <a:r>
+              <a:rPr lang="en-US" dirty="0"/>
+              <a:t>/apex/</a:t>
+            </a:r>
+            <a:r>
+              <a:rPr lang="en-US" dirty="0" err="1"/>
+              <a:t>f?p</a:t>
+            </a:r>
+            <a:r>
+              <a:rPr lang="en-US" dirty="0"/>
+              <a:t>=100176:2:2563830214797:::::</a:t>
+            </a:r>
           </a:p>
         </p:txBody>
       </p:sp>
     </p:spTree>
     <p:extLst>
       <p:ext uri="{BB962C8B-B14F-4D97-AF65-F5344CB8AC3E}">
-        <p14:creationId xmlns:p14="http://schemas.microsoft.com/office/powerpoint/2010/main" val="4193543396"/>
+        <p14:creationId xmlns:p14="http://schemas.microsoft.com/office/powerpoint/2010/main" val="897656464"/>
       </p:ext>
     </p:extLst>
   </p:cSld>
@@ -3551,7 +4330,7 @@
           <a:p>
             <a:r>
               <a:rPr lang="en-US" dirty="0" smtClean="0"/>
-              <a:t>Conceptual Model Part II</a:t>
+              <a:t>APEX snapshots</a:t>
             </a:r>
             <a:endParaRPr lang="en-US" dirty="0"/>
           </a:p>
@@ -3559,7 +4338,7 @@
       </p:sp>
       <p:pic>
         <p:nvPicPr>
-          <p:cNvPr id="6" name="Content Placeholder 5" descr="Screen Shot 2015-11-24 at 11.30.53 AM.png"/>
+          <p:cNvPr id="4" name="Content Placeholder 3" descr="PIC_dashboard.jpg"/>
           <p:cNvPicPr>
             <a:picLocks noGrp="1" noChangeAspect="1"/>
           </p:cNvPicPr>
@@ -3575,7 +4354,7 @@
               </a:ext>
             </a:extLst>
           </a:blip>
-          <a:srcRect t="13423" b="13423"/>
+          <a:srcRect t="1115" b="1115"/>
           <a:stretch>
             <a:fillRect/>
           </a:stretch>
@@ -3585,13 +4364,20 @@
     </p:spTree>
     <p:extLst>
       <p:ext uri="{BB962C8B-B14F-4D97-AF65-F5344CB8AC3E}">
-        <p14:creationId xmlns:p14="http://schemas.microsoft.com/office/powerpoint/2010/main" val="5699394"/>
+        <p14:creationId xmlns:p14="http://schemas.microsoft.com/office/powerpoint/2010/main" val="2328736670"/>
       </p:ext>
     </p:extLst>
   </p:cSld>
   <p:clrMapOvr>
     <a:masterClrMapping/>
   </p:clrMapOvr>
+  <p:timing>
+    <p:tnLst>
+      <p:par>
+        <p:cTn xmlns:p14="http://schemas.microsoft.com/office/powerpoint/2010/main" id="1" dur="indefinite" restart="never" nodeType="tmRoot"/>
+      </p:par>
+    </p:tnLst>
+  </p:timing>
 </p:sld>
 </file>
 
@@ -3627,13 +4413,16 @@
           <a:bodyPr/>
           <a:lstStyle/>
           <a:p>
-            <a:endParaRPr lang="en-US"/>
+            <a:r>
+              <a:rPr lang="en-US" dirty="0"/>
+              <a:t>APEX snapshots</a:t>
+            </a:r>
           </a:p>
         </p:txBody>
       </p:sp>
       <p:pic>
         <p:nvPicPr>
-          <p:cNvPr id="6" name="Content Placeholder 5" descr="Screen Shot 2015-11-24 at 1.51.05 PM.png"/>
+          <p:cNvPr id="4" name="Content Placeholder 3" descr="PIC_RFE_details.jpg"/>
           <p:cNvPicPr>
             <a:picLocks noGrp="1" noChangeAspect="1"/>
           </p:cNvPicPr>
@@ -3649,7 +4438,7 @@
               </a:ext>
             </a:extLst>
           </a:blip>
-          <a:srcRect l="3671" r="3671"/>
+          <a:srcRect t="1115" b="1115"/>
           <a:stretch>
             <a:fillRect/>
           </a:stretch>
@@ -3659,13 +4448,20 @@
     </p:spTree>
     <p:extLst>
       <p:ext uri="{BB962C8B-B14F-4D97-AF65-F5344CB8AC3E}">
-        <p14:creationId xmlns:p14="http://schemas.microsoft.com/office/powerpoint/2010/main" val="1572663134"/>
+        <p14:creationId xmlns:p14="http://schemas.microsoft.com/office/powerpoint/2010/main" val="1381502295"/>
       </p:ext>
     </p:extLst>
   </p:cSld>
   <p:clrMapOvr>
     <a:masterClrMapping/>
   </p:clrMapOvr>
+  <p:timing>
+    <p:tnLst>
+      <p:par>
+        <p:cTn xmlns:p14="http://schemas.microsoft.com/office/powerpoint/2010/main" id="1" dur="indefinite" restart="never" nodeType="tmRoot"/>
+      </p:par>
+    </p:tnLst>
+  </p:timing>
 </p:sld>
 </file>
 
@@ -3701,13 +4497,16 @@
           <a:bodyPr/>
           <a:lstStyle/>
           <a:p>
-            <a:endParaRPr lang="en-US"/>
+            <a:r>
+              <a:rPr lang="en-US" dirty="0"/>
+              <a:t>APEX snapshots</a:t>
+            </a:r>
           </a:p>
         </p:txBody>
       </p:sp>
       <p:pic>
         <p:nvPicPr>
-          <p:cNvPr id="6" name="Content Placeholder 5" descr="Screen Shot 2015-11-24 at 1.58.42 PM.png"/>
+          <p:cNvPr id="4" name="Content Placeholder 3" descr="PIC_RFEs.jpg"/>
           <p:cNvPicPr>
             <a:picLocks noGrp="1" noChangeAspect="1"/>
           </p:cNvPicPr>
@@ -3723,7 +4522,7 @@
               </a:ext>
             </a:extLst>
           </a:blip>
-          <a:srcRect t="12135" b="12135"/>
+          <a:srcRect t="1115" b="1115"/>
           <a:stretch>
             <a:fillRect/>
           </a:stretch>
@@ -3733,13 +4532,20 @@
     </p:spTree>
     <p:extLst>
       <p:ext uri="{BB962C8B-B14F-4D97-AF65-F5344CB8AC3E}">
-        <p14:creationId xmlns:p14="http://schemas.microsoft.com/office/powerpoint/2010/main" val="57178098"/>
+        <p14:creationId xmlns:p14="http://schemas.microsoft.com/office/powerpoint/2010/main" val="2731439081"/>
       </p:ext>
     </p:extLst>
   </p:cSld>
   <p:clrMapOvr>
     <a:masterClrMapping/>
   </p:clrMapOvr>
+  <p:timing>
+    <p:tnLst>
+      <p:par>
+        <p:cTn xmlns:p14="http://schemas.microsoft.com/office/powerpoint/2010/main" id="1" dur="indefinite" restart="never" nodeType="tmRoot"/>
+      </p:par>
+    </p:tnLst>
+  </p:timing>
 </p:sld>
 </file>
 
@@ -3775,13 +4581,16 @@
           <a:bodyPr/>
           <a:lstStyle/>
           <a:p>
-            <a:endParaRPr lang="en-US"/>
+            <a:r>
+              <a:rPr lang="en-US" dirty="0"/>
+              <a:t>APEX snapshots</a:t>
+            </a:r>
           </a:p>
         </p:txBody>
       </p:sp>
       <p:pic>
         <p:nvPicPr>
-          <p:cNvPr id="4" name="Content Placeholder 3" descr="Screen Shot 2015-11-24 at 2.00.34 PM.png"/>
+          <p:cNvPr id="4" name="Content Placeholder 3" descr="PIC_task_details.jpg"/>
           <p:cNvPicPr>
             <a:picLocks noGrp="1" noChangeAspect="1"/>
           </p:cNvPicPr>
@@ -3797,7 +4606,7 @@
               </a:ext>
             </a:extLst>
           </a:blip>
-          <a:srcRect t="5252" b="5252"/>
+          <a:srcRect t="1115" b="1115"/>
           <a:stretch>
             <a:fillRect/>
           </a:stretch>
@@ -3807,13 +4616,20 @@
     </p:spTree>
     <p:extLst>
       <p:ext uri="{BB962C8B-B14F-4D97-AF65-F5344CB8AC3E}">
-        <p14:creationId xmlns:p14="http://schemas.microsoft.com/office/powerpoint/2010/main" val="2596942532"/>
+        <p14:creationId xmlns:p14="http://schemas.microsoft.com/office/powerpoint/2010/main" val="2986369322"/>
       </p:ext>
     </p:extLst>
   </p:cSld>
   <p:clrMapOvr>
     <a:masterClrMapping/>
   </p:clrMapOvr>
+  <p:timing>
+    <p:tnLst>
+      <p:par>
+        <p:cTn xmlns:p14="http://schemas.microsoft.com/office/powerpoint/2010/main" id="1" dur="indefinite" restart="never" nodeType="tmRoot"/>
+      </p:par>
+    </p:tnLst>
+  </p:timing>
 </p:sld>
 </file>
 
